--- a/docs/开源实例介绍.pptx
+++ b/docs/开源实例介绍.pptx
@@ -2586,11 +2586,23 @@
           <a:p>
             <a:r>
               <a:rPr lang="en-US" altLang="zh-CN" sz="2000" b="1" dirty="0" err="1" smtClean="0"/>
-              <a:t>Sencha</a:t>
+              <a:t>S</a:t>
+            </a:r>
+            <a:r>
+              <a:rPr lang="en-US" altLang="zh-CN" sz="2000" b="1" dirty="0" err="1" smtClean="0"/>
+              <a:t>encha</a:t>
+            </a:r>
+            <a:r>
+              <a:rPr lang="en-US" altLang="zh-CN" sz="2000" b="1" dirty="0"/>
+              <a:t>-</a:t>
             </a:r>
             <a:r>
               <a:rPr lang="en-US" altLang="zh-CN" sz="2000" b="1" dirty="0" smtClean="0"/>
-              <a:t> classic </a:t>
+              <a:t>c</a:t>
+            </a:r>
+            <a:r>
+              <a:rPr lang="en-US" altLang="zh-CN" sz="2000" b="1" dirty="0" smtClean="0"/>
+              <a:t>lassic </a:t>
             </a:r>
             <a:r>
               <a:rPr lang="zh-CN" altLang="en-US" sz="2000" dirty="0" smtClean="0"/>
@@ -2623,7 +2635,7 @@
         </p:blipFill>
         <p:spPr bwMode="auto">
           <a:xfrm>
-            <a:off x="277391" y="1124744"/>
+            <a:off x="277390" y="1124743"/>
             <a:ext cx="2638425" cy="3571875"/>
           </a:xfrm>
           <a:prstGeom prst="rect">
@@ -2706,7 +2718,7 @@
         </p:nvSpPr>
         <p:spPr>
           <a:xfrm>
-            <a:off x="4079160" y="1566084"/>
+            <a:off x="3779912" y="1566084"/>
             <a:ext cx="5043560" cy="2862322"/>
           </a:xfrm>
           <a:prstGeom prst="rect">
@@ -2730,7 +2742,11 @@
             </a:r>
             <a:r>
               <a:rPr lang="zh-CN" altLang="en-US" sz="1200" dirty="0" smtClean="0"/>
-              <a:t>项目编写代码目录</a:t>
+              <a:t>项目编写代码</a:t>
+            </a:r>
+            <a:r>
+              <a:rPr lang="zh-CN" altLang="en-US" sz="1200" dirty="0" smtClean="0"/>
+              <a:t>目录</a:t>
             </a:r>
             <a:endParaRPr lang="en-US" altLang="zh-CN" sz="1200" dirty="0"/>
           </a:p>
@@ -2771,6 +2787,7 @@
               <a:rPr lang="en-US" altLang="zh-CN" sz="1200" dirty="0" smtClean="0"/>
               <a:t>)</a:t>
             </a:r>
+            <a:endParaRPr lang="en-US" altLang="zh-CN" sz="1200" dirty="0" smtClean="0"/>
           </a:p>
           <a:p>
             <a:pPr marL="171450" indent="-171450">
@@ -2833,7 +2850,11 @@
             </a:r>
             <a:r>
               <a:rPr lang="zh-CN" altLang="en-US" sz="1200" dirty="0" smtClean="0"/>
-              <a:t>资源文件</a:t>
+              <a:t>资源</a:t>
+            </a:r>
+            <a:r>
+              <a:rPr lang="zh-CN" altLang="en-US" sz="1200" dirty="0" smtClean="0"/>
+              <a:t>文件</a:t>
             </a:r>
             <a:endParaRPr lang="en-US" altLang="zh-CN" sz="1200" dirty="0" smtClean="0"/>
           </a:p>
@@ -2862,6 +2883,7 @@
               <a:rPr lang="en-US" altLang="zh-CN" sz="1200" dirty="0" smtClean="0"/>
               <a:t>)</a:t>
             </a:r>
+            <a:endParaRPr lang="en-US" altLang="zh-CN" sz="1200" dirty="0" smtClean="0"/>
           </a:p>
           <a:p>
             <a:pPr marL="171450" indent="-171450">
@@ -2886,8 +2908,13 @@
             </a:r>
             <a:r>
               <a:rPr lang="en-US" altLang="zh-CN" sz="1200" dirty="0" smtClean="0"/>
-              <a:t>application.js)</a:t>
-            </a:r>
+              <a:t>application.js</a:t>
+            </a:r>
+            <a:r>
+              <a:rPr lang="en-US" altLang="zh-CN" sz="1200" dirty="0" smtClean="0"/>
+              <a:t>)</a:t>
+            </a:r>
+            <a:endParaRPr lang="en-US" altLang="zh-CN" sz="1200" dirty="0" smtClean="0"/>
           </a:p>
           <a:p>
             <a:pPr marL="171450" indent="-171450">
@@ -2923,7 +2950,19 @@
             </a:r>
             <a:r>
               <a:rPr lang="zh-CN" altLang="en-US" sz="1200" dirty="0" smtClean="0"/>
-              <a:t>本地运行文件</a:t>
+              <a:t>本地</a:t>
+            </a:r>
+            <a:r>
+              <a:rPr lang="zh-CN" altLang="en-US" sz="1200" dirty="0" smtClean="0"/>
+              <a:t>运行</a:t>
+            </a:r>
+            <a:r>
+              <a:rPr lang="en-US" altLang="zh-CN" sz="1200" dirty="0" err="1" smtClean="0"/>
+              <a:t>css</a:t>
+            </a:r>
+            <a:r>
+              <a:rPr lang="zh-CN" altLang="en-US" sz="1200" dirty="0" smtClean="0"/>
+              <a:t>文件</a:t>
             </a:r>
             <a:endParaRPr lang="en-US" altLang="zh-CN" sz="1200" dirty="0" smtClean="0"/>
           </a:p>
@@ -2941,8 +2980,12 @@
               <a:t> </a:t>
             </a:r>
             <a:r>
+              <a:rPr lang="zh-CN" altLang="en-US" sz="1200" smtClean="0"/>
+              <a:t>本地运行引用</a:t>
+            </a:r>
+            <a:r>
               <a:rPr lang="zh-CN" altLang="en-US" sz="1200" dirty="0" smtClean="0"/>
-              <a:t>本地启动引用类</a:t>
+              <a:t>类</a:t>
             </a:r>
             <a:endParaRPr lang="en-US" altLang="zh-CN" sz="1200" dirty="0" smtClean="0"/>
           </a:p>

--- a/docs/开源实例介绍.pptx
+++ b/docs/开源实例介绍.pptx
@@ -233,7 +233,7 @@
           <a:p>
             <a:fld id="{1A5C963F-8599-4591-9A99-94B5A01B4BD7}" type="datetimeFigureOut">
               <a:rPr lang="zh-CN" altLang="en-US" smtClean="0"/>
-              <a:t>2018/11/30</a:t>
+              <a:t>2018/12/1</a:t>
             </a:fld>
             <a:endParaRPr lang="zh-CN" altLang="en-US"/>
           </a:p>
@@ -649,7 +649,7 @@
             <a:fld id="{11DF6C85-580E-49AA-8C0F-7282E851D184}" type="datetimeFigureOut">
               <a:rPr lang="en-US" smtClean="0"/>
               <a:pPr eaLnBrk="1" latinLnBrk="0" hangingPunct="1"/>
-              <a:t>11/30/2018</a:t>
+              <a:t>12/1/2018</a:t>
             </a:fld>
             <a:endParaRPr lang="en-US"/>
           </a:p>
@@ -814,7 +814,7 @@
             <a:fld id="{11DF6C85-580E-49AA-8C0F-7282E851D184}" type="datetimeFigureOut">
               <a:rPr lang="en-US" smtClean="0"/>
               <a:pPr eaLnBrk="1" latinLnBrk="0" hangingPunct="1"/>
-              <a:t>11/30/2018</a:t>
+              <a:t>12/1/2018</a:t>
             </a:fld>
             <a:endParaRPr lang="en-US" sz="1100" dirty="0">
               <a:solidFill>
@@ -2586,11 +2586,7 @@
           <a:p>
             <a:r>
               <a:rPr lang="en-US" altLang="zh-CN" sz="2000" b="1" dirty="0" err="1" smtClean="0"/>
-              <a:t>S</a:t>
-            </a:r>
-            <a:r>
-              <a:rPr lang="en-US" altLang="zh-CN" sz="2000" b="1" dirty="0" err="1" smtClean="0"/>
-              <a:t>encha</a:t>
+              <a:t>Sencha</a:t>
             </a:r>
             <a:r>
               <a:rPr lang="en-US" altLang="zh-CN" sz="2000" b="1" dirty="0"/>
@@ -2598,11 +2594,7 @@
             </a:r>
             <a:r>
               <a:rPr lang="en-US" altLang="zh-CN" sz="2000" b="1" dirty="0" smtClean="0"/>
-              <a:t>c</a:t>
-            </a:r>
-            <a:r>
-              <a:rPr lang="en-US" altLang="zh-CN" sz="2000" b="1" dirty="0" smtClean="0"/>
-              <a:t>lassic </a:t>
+              <a:t>classic </a:t>
             </a:r>
             <a:r>
               <a:rPr lang="zh-CN" altLang="en-US" sz="2000" dirty="0" smtClean="0"/>
@@ -2742,11 +2734,7 @@
             </a:r>
             <a:r>
               <a:rPr lang="zh-CN" altLang="en-US" sz="1200" dirty="0" smtClean="0"/>
-              <a:t>项目编写代码</a:t>
-            </a:r>
-            <a:r>
-              <a:rPr lang="zh-CN" altLang="en-US" sz="1200" dirty="0" smtClean="0"/>
-              <a:t>目录</a:t>
+              <a:t>项目编写代码目录</a:t>
             </a:r>
             <a:endParaRPr lang="en-US" altLang="zh-CN" sz="1200" dirty="0"/>
           </a:p>
@@ -2787,7 +2775,6 @@
               <a:rPr lang="en-US" altLang="zh-CN" sz="1200" dirty="0" smtClean="0"/>
               <a:t>)</a:t>
             </a:r>
-            <a:endParaRPr lang="en-US" altLang="zh-CN" sz="1200" dirty="0" smtClean="0"/>
           </a:p>
           <a:p>
             <a:pPr marL="171450" indent="-171450">
@@ -2850,11 +2837,7 @@
             </a:r>
             <a:r>
               <a:rPr lang="zh-CN" altLang="en-US" sz="1200" dirty="0" smtClean="0"/>
-              <a:t>资源</a:t>
-            </a:r>
-            <a:r>
-              <a:rPr lang="zh-CN" altLang="en-US" sz="1200" dirty="0" smtClean="0"/>
-              <a:t>文件</a:t>
+              <a:t>资源文件</a:t>
             </a:r>
             <a:endParaRPr lang="en-US" altLang="zh-CN" sz="1200" dirty="0" smtClean="0"/>
           </a:p>
@@ -2868,12 +2851,12 @@
               <a:t>sass </a:t>
             </a:r>
             <a:r>
-              <a:rPr lang="zh-CN" altLang="en-US" sz="1200" dirty="0" smtClean="0"/>
-              <a:t>样式主题</a:t>
+              <a:rPr lang="zh-CN" altLang="en-US" sz="1200" dirty="0"/>
+              <a:t>主题样式</a:t>
             </a:r>
             <a:r>
               <a:rPr lang="en-US" altLang="zh-CN" sz="1200" dirty="0" smtClean="0"/>
-              <a:t> (</a:t>
+              <a:t>(</a:t>
             </a:r>
             <a:r>
               <a:rPr lang="en-US" altLang="zh-CN" sz="1200" dirty="0" err="1" smtClean="0"/>
@@ -2883,7 +2866,6 @@
               <a:rPr lang="en-US" altLang="zh-CN" sz="1200" dirty="0" smtClean="0"/>
               <a:t>)</a:t>
             </a:r>
-            <a:endParaRPr lang="en-US" altLang="zh-CN" sz="1200" dirty="0" smtClean="0"/>
           </a:p>
           <a:p>
             <a:pPr marL="171450" indent="-171450">
@@ -2908,13 +2890,8 @@
             </a:r>
             <a:r>
               <a:rPr lang="en-US" altLang="zh-CN" sz="1200" dirty="0" smtClean="0"/>
-              <a:t>application.js</a:t>
-            </a:r>
-            <a:r>
-              <a:rPr lang="en-US" altLang="zh-CN" sz="1200" dirty="0" smtClean="0"/>
-              <a:t>)</a:t>
-            </a:r>
-            <a:endParaRPr lang="en-US" altLang="zh-CN" sz="1200" dirty="0" smtClean="0"/>
+              <a:t>application.js)</a:t>
+            </a:r>
           </a:p>
           <a:p>
             <a:pPr marL="171450" indent="-171450">
@@ -2950,11 +2927,7 @@
             </a:r>
             <a:r>
               <a:rPr lang="zh-CN" altLang="en-US" sz="1200" dirty="0" smtClean="0"/>
-              <a:t>本地</a:t>
-            </a:r>
-            <a:r>
-              <a:rPr lang="zh-CN" altLang="en-US" sz="1200" dirty="0" smtClean="0"/>
-              <a:t>运行</a:t>
+              <a:t>本地运行</a:t>
             </a:r>
             <a:r>
               <a:rPr lang="en-US" altLang="zh-CN" sz="1200" dirty="0" err="1" smtClean="0"/>
@@ -2980,12 +2953,8 @@
               <a:t> </a:t>
             </a:r>
             <a:r>
-              <a:rPr lang="zh-CN" altLang="en-US" sz="1200" smtClean="0"/>
-              <a:t>本地运行引用</a:t>
-            </a:r>
-            <a:r>
               <a:rPr lang="zh-CN" altLang="en-US" sz="1200" dirty="0" smtClean="0"/>
-              <a:t>类</a:t>
+              <a:t>本地运行引用类</a:t>
             </a:r>
             <a:endParaRPr lang="en-US" altLang="zh-CN" sz="1200" dirty="0" smtClean="0"/>
           </a:p>
@@ -3041,8 +3010,8 @@
               <a:t> </a:t>
             </a:r>
             <a:r>
-              <a:rPr lang="zh-CN" altLang="en-US" sz="1200" dirty="0" smtClean="0"/>
-              <a:t>工作区</a:t>
+              <a:rPr lang="zh-CN" altLang="en-US" sz="1200" smtClean="0"/>
+              <a:t>工作区空间</a:t>
             </a:r>
             <a:endParaRPr lang="en-US" altLang="zh-CN" sz="1200" dirty="0"/>
           </a:p>
